--- a/docs/Visão do projeto.pptx
+++ b/docs/Visão do projeto.pptx
@@ -346,7 +346,7 @@
   <p:cSld>
     <p:spTree>
       <p:nvGrpSpPr>
-        <p:cNvPr id="25" name="Shape 25"/>
+        <p:cNvPr id="26" name="Shape 26"/>
         <p:cNvGrpSpPr/>
         <p:nvPr/>
       </p:nvGrpSpPr>
@@ -360,7 +360,7 @@
       </p:grpSpPr>
       <p:sp>
         <p:nvSpPr>
-          <p:cNvPr id="26" name="Shape 26"/>
+          <p:cNvPr id="27" name="Shape 27"/>
           <p:cNvSpPr/>
           <p:nvPr>
             <p:ph idx="2" type="sldImg"/>
@@ -394,7 +394,7 @@
       </p:sp>
       <p:sp>
         <p:nvSpPr>
-          <p:cNvPr id="27" name="Shape 27"/>
+          <p:cNvPr id="28" name="Shape 28"/>
           <p:cNvSpPr txBox="1"/>
           <p:nvPr>
             <p:ph idx="1" type="body"/>
@@ -430,7 +430,7 @@
   <p:cSld>
     <p:spTree>
       <p:nvGrpSpPr>
-        <p:cNvPr id="31" name="Shape 31"/>
+        <p:cNvPr id="32" name="Shape 32"/>
         <p:cNvGrpSpPr/>
         <p:nvPr/>
       </p:nvGrpSpPr>
@@ -444,7 +444,7 @@
       </p:grpSpPr>
       <p:sp>
         <p:nvSpPr>
-          <p:cNvPr id="32" name="Shape 32"/>
+          <p:cNvPr id="33" name="Shape 33"/>
           <p:cNvSpPr/>
           <p:nvPr>
             <p:ph idx="2" type="sldImg"/>
@@ -478,7 +478,7 @@
       </p:sp>
       <p:sp>
         <p:nvSpPr>
-          <p:cNvPr id="33" name="Shape 33"/>
+          <p:cNvPr id="34" name="Shape 34"/>
           <p:cNvSpPr txBox="1"/>
           <p:nvPr>
             <p:ph idx="1" type="body"/>
@@ -514,7 +514,7 @@
   <p:cSld>
     <p:spTree>
       <p:nvGrpSpPr>
-        <p:cNvPr id="37" name="Shape 37"/>
+        <p:cNvPr id="38" name="Shape 38"/>
         <p:cNvGrpSpPr/>
         <p:nvPr/>
       </p:nvGrpSpPr>
@@ -528,7 +528,7 @@
       </p:grpSpPr>
       <p:sp>
         <p:nvSpPr>
-          <p:cNvPr id="38" name="Shape 38"/>
+          <p:cNvPr id="39" name="Shape 39"/>
           <p:cNvSpPr/>
           <p:nvPr>
             <p:ph idx="2" type="sldImg"/>
@@ -562,7 +562,7 @@
       </p:sp>
       <p:sp>
         <p:nvSpPr>
-          <p:cNvPr id="39" name="Shape 39"/>
+          <p:cNvPr id="40" name="Shape 40"/>
           <p:cNvSpPr txBox="1"/>
           <p:nvPr>
             <p:ph idx="1" type="body"/>
@@ -598,7 +598,7 @@
   <p:cSld>
     <p:spTree>
       <p:nvGrpSpPr>
-        <p:cNvPr id="43" name="Shape 43"/>
+        <p:cNvPr id="44" name="Shape 44"/>
         <p:cNvGrpSpPr/>
         <p:nvPr/>
       </p:nvGrpSpPr>
@@ -612,7 +612,7 @@
       </p:grpSpPr>
       <p:sp>
         <p:nvSpPr>
-          <p:cNvPr id="44" name="Shape 44"/>
+          <p:cNvPr id="45" name="Shape 45"/>
           <p:cNvSpPr/>
           <p:nvPr>
             <p:ph idx="2" type="sldImg"/>
@@ -646,7 +646,7 @@
       </p:sp>
       <p:sp>
         <p:nvSpPr>
-          <p:cNvPr id="45" name="Shape 45"/>
+          <p:cNvPr id="46" name="Shape 46"/>
           <p:cNvSpPr txBox="1"/>
           <p:nvPr>
             <p:ph idx="1" type="body"/>
@@ -682,7 +682,7 @@
   <p:cSld>
     <p:spTree>
       <p:nvGrpSpPr>
-        <p:cNvPr id="51" name="Shape 51"/>
+        <p:cNvPr id="52" name="Shape 52"/>
         <p:cNvGrpSpPr/>
         <p:nvPr/>
       </p:nvGrpSpPr>
@@ -696,7 +696,7 @@
       </p:grpSpPr>
       <p:sp>
         <p:nvSpPr>
-          <p:cNvPr id="52" name="Shape 52"/>
+          <p:cNvPr id="53" name="Shape 53"/>
           <p:cNvSpPr/>
           <p:nvPr>
             <p:ph idx="2" type="sldImg"/>
@@ -730,7 +730,7 @@
       </p:sp>
       <p:sp>
         <p:nvSpPr>
-          <p:cNvPr id="53" name="Shape 53"/>
+          <p:cNvPr id="54" name="Shape 54"/>
           <p:cNvSpPr txBox="1"/>
           <p:nvPr>
             <p:ph idx="1" type="body"/>
@@ -766,7 +766,7 @@
   <p:cSld>
     <p:spTree>
       <p:nvGrpSpPr>
-        <p:cNvPr id="59" name="Shape 59"/>
+        <p:cNvPr id="60" name="Shape 60"/>
         <p:cNvGrpSpPr/>
         <p:nvPr/>
       </p:nvGrpSpPr>
@@ -780,7 +780,7 @@
       </p:grpSpPr>
       <p:sp>
         <p:nvSpPr>
-          <p:cNvPr id="60" name="Shape 60"/>
+          <p:cNvPr id="61" name="Shape 61"/>
           <p:cNvSpPr/>
           <p:nvPr>
             <p:ph idx="2" type="sldImg"/>
@@ -814,7 +814,7 @@
       </p:sp>
       <p:sp>
         <p:nvSpPr>
-          <p:cNvPr id="61" name="Shape 61"/>
+          <p:cNvPr id="62" name="Shape 62"/>
           <p:cNvSpPr txBox="1"/>
           <p:nvPr>
             <p:ph idx="1" type="body"/>
@@ -850,7 +850,7 @@
   <p:cSld>
     <p:spTree>
       <p:nvGrpSpPr>
-        <p:cNvPr id="65" name="Shape 65"/>
+        <p:cNvPr id="66" name="Shape 66"/>
         <p:cNvGrpSpPr/>
         <p:nvPr/>
       </p:nvGrpSpPr>
@@ -864,7 +864,7 @@
       </p:grpSpPr>
       <p:sp>
         <p:nvSpPr>
-          <p:cNvPr id="66" name="Shape 66"/>
+          <p:cNvPr id="67" name="Shape 67"/>
           <p:cNvSpPr/>
           <p:nvPr>
             <p:ph idx="2" type="sldImg"/>
@@ -898,7 +898,7 @@
       </p:sp>
       <p:sp>
         <p:nvSpPr>
-          <p:cNvPr id="67" name="Shape 67"/>
+          <p:cNvPr id="68" name="Shape 68"/>
           <p:cNvSpPr txBox="1"/>
           <p:nvPr>
             <p:ph idx="1" type="body"/>
@@ -934,7 +934,7 @@
   <p:cSld>
     <p:spTree>
       <p:nvGrpSpPr>
-        <p:cNvPr id="71" name="Shape 71"/>
+        <p:cNvPr id="72" name="Shape 72"/>
         <p:cNvGrpSpPr/>
         <p:nvPr/>
       </p:nvGrpSpPr>
@@ -948,7 +948,7 @@
       </p:grpSpPr>
       <p:sp>
         <p:nvSpPr>
-          <p:cNvPr id="72" name="Shape 72"/>
+          <p:cNvPr id="73" name="Shape 73"/>
           <p:cNvSpPr/>
           <p:nvPr>
             <p:ph idx="2" type="sldImg"/>
@@ -982,7 +982,7 @@
       </p:sp>
       <p:sp>
         <p:nvSpPr>
-          <p:cNvPr id="73" name="Shape 73"/>
+          <p:cNvPr id="74" name="Shape 74"/>
           <p:cNvSpPr txBox="1"/>
           <p:nvPr>
             <p:ph idx="1" type="body"/>
@@ -2579,6 +2579,37 @@
           </a:p>
         </p:txBody>
       </p:sp>
+      <p:sp>
+        <p:nvSpPr>
+          <p:cNvPr id="25" name="Shape 25"/>
+          <p:cNvSpPr txBox="1"/>
+          <p:nvPr/>
+        </p:nvSpPr>
+        <p:spPr>
+          <a:xfrm>
+            <a:off y="6238675" x="1933525"/>
+            <a:ext cy="452999" cx="5015100"/>
+          </a:xfrm>
+          <a:prstGeom prst="rect">
+            <a:avLst/>
+          </a:prstGeom>
+        </p:spPr>
+        <p:txBody>
+          <a:bodyPr bIns="91425" rIns="91425" lIns="91425" tIns="91425" anchor="t" anchorCtr="0">
+            <a:noAutofit/>
+          </a:bodyPr>
+          <a:lstStyle/>
+          <a:p>
+            <a:pPr algn="ctr">
+              <a:buNone/>
+            </a:pPr>
+            <a:r>
+              <a:rPr sz="1800" lang="en"/>
+              <a:t>https://github.com/vsnepomuceno/sos</a:t>
+            </a:r>
+          </a:p>
+        </p:txBody>
+      </p:sp>
     </p:spTree>
   </p:cSld>
   <p:clrMapOvr>
@@ -2595,7 +2626,7 @@
   <p:cSld>
     <p:spTree>
       <p:nvGrpSpPr>
-        <p:cNvPr id="28" name="Shape 28"/>
+        <p:cNvPr id="29" name="Shape 29"/>
         <p:cNvGrpSpPr/>
         <p:nvPr/>
       </p:nvGrpSpPr>
@@ -2609,7 +2640,7 @@
       </p:grpSpPr>
       <p:sp>
         <p:nvSpPr>
-          <p:cNvPr id="29" name="Shape 29"/>
+          <p:cNvPr id="30" name="Shape 30"/>
           <p:cNvSpPr txBox="1"/>
           <p:nvPr>
             <p:ph idx="1" type="body"/>
@@ -2680,7 +2711,7 @@
       </p:sp>
       <p:sp>
         <p:nvSpPr>
-          <p:cNvPr id="30" name="Shape 30"/>
+          <p:cNvPr id="31" name="Shape 31"/>
           <p:cNvSpPr txBox="1"/>
           <p:nvPr>
             <p:ph type="title"/>
@@ -2727,7 +2758,7 @@
   <p:cSld>
     <p:spTree>
       <p:nvGrpSpPr>
-        <p:cNvPr id="34" name="Shape 34"/>
+        <p:cNvPr id="35" name="Shape 35"/>
         <p:cNvGrpSpPr/>
         <p:nvPr/>
       </p:nvGrpSpPr>
@@ -2741,7 +2772,7 @@
       </p:grpSpPr>
       <p:sp>
         <p:nvSpPr>
-          <p:cNvPr id="35" name="Shape 35"/>
+          <p:cNvPr id="36" name="Shape 36"/>
           <p:cNvSpPr txBox="1"/>
           <p:nvPr>
             <p:ph type="title"/>
@@ -2774,7 +2805,7 @@
       </p:sp>
       <p:sp>
         <p:nvSpPr>
-          <p:cNvPr id="36" name="Shape 36"/>
+          <p:cNvPr id="37" name="Shape 37"/>
           <p:cNvSpPr txBox="1"/>
           <p:nvPr>
             <p:ph idx="1" type="body"/>
@@ -2887,7 +2918,7 @@
   <p:cSld>
     <p:spTree>
       <p:nvGrpSpPr>
-        <p:cNvPr id="40" name="Shape 40"/>
+        <p:cNvPr id="41" name="Shape 41"/>
         <p:cNvGrpSpPr/>
         <p:nvPr/>
       </p:nvGrpSpPr>
@@ -2901,7 +2932,7 @@
       </p:grpSpPr>
       <p:sp>
         <p:nvSpPr>
-          <p:cNvPr id="41" name="Shape 41"/>
+          <p:cNvPr id="42" name="Shape 42"/>
           <p:cNvSpPr txBox="1"/>
           <p:nvPr>
             <p:ph type="title"/>
@@ -2934,7 +2965,7 @@
       </p:sp>
       <p:sp>
         <p:nvSpPr>
-          <p:cNvPr id="42" name="Shape 42"/>
+          <p:cNvPr id="43" name="Shape 43"/>
           <p:cNvSpPr txBox="1"/>
           <p:nvPr>
             <p:ph idx="1" type="body"/>
@@ -3019,7 +3050,7 @@
   <p:cSld>
     <p:spTree>
       <p:nvGrpSpPr>
-        <p:cNvPr id="46" name="Shape 46"/>
+        <p:cNvPr id="47" name="Shape 47"/>
         <p:cNvGrpSpPr/>
         <p:nvPr/>
       </p:nvGrpSpPr>
@@ -3033,7 +3064,7 @@
       </p:grpSpPr>
       <p:sp>
         <p:nvSpPr>
-          <p:cNvPr id="47" name="Shape 47"/>
+          <p:cNvPr id="48" name="Shape 48"/>
           <p:cNvSpPr txBox="1"/>
           <p:nvPr>
             <p:ph type="title"/>
@@ -3066,7 +3097,7 @@
       </p:sp>
       <p:sp>
         <p:nvSpPr>
-          <p:cNvPr id="48" name="Shape 48"/>
+          <p:cNvPr id="49" name="Shape 49"/>
           <p:cNvSpPr txBox="1"/>
           <p:nvPr>
             <p:ph idx="1" type="body"/>
@@ -3123,7 +3154,7 @@
       </p:sp>
       <p:sp>
         <p:nvSpPr>
-          <p:cNvPr id="49" name="Shape 49"/>
+          <p:cNvPr id="50" name="Shape 50"/>
           <p:cNvSpPr txBox="1"/>
           <p:nvPr>
             <p:ph idx="2" type="title"/>
@@ -3156,7 +3187,7 @@
       </p:sp>
       <p:sp>
         <p:nvSpPr>
-          <p:cNvPr id="50" name="Shape 50"/>
+          <p:cNvPr id="51" name="Shape 51"/>
           <p:cNvSpPr txBox="1"/>
           <p:nvPr>
             <p:ph idx="3" type="body"/>
@@ -3213,7 +3244,7 @@
   <p:cSld>
     <p:spTree>
       <p:nvGrpSpPr>
-        <p:cNvPr id="54" name="Shape 54"/>
+        <p:cNvPr id="55" name="Shape 55"/>
         <p:cNvGrpSpPr/>
         <p:nvPr/>
       </p:nvGrpSpPr>
@@ -3227,7 +3258,7 @@
       </p:grpSpPr>
       <p:sp>
         <p:nvSpPr>
-          <p:cNvPr id="55" name="Shape 55"/>
+          <p:cNvPr id="56" name="Shape 56"/>
           <p:cNvSpPr txBox="1"/>
           <p:nvPr>
             <p:ph type="title"/>
@@ -3260,7 +3291,7 @@
       </p:sp>
       <p:sp>
         <p:nvSpPr>
-          <p:cNvPr id="56" name="Shape 56"/>
+          <p:cNvPr id="57" name="Shape 57"/>
           <p:cNvSpPr txBox="1"/>
           <p:nvPr>
             <p:ph idx="1" type="body"/>
@@ -3322,7 +3353,7 @@
       </p:sp>
       <p:sp>
         <p:nvSpPr>
-          <p:cNvPr id="57" name="Shape 57"/>
+          <p:cNvPr id="58" name="Shape 58"/>
           <p:cNvSpPr txBox="1"/>
           <p:nvPr>
             <p:ph idx="2" type="title"/>
@@ -3355,7 +3386,7 @@
       </p:sp>
       <p:sp>
         <p:nvSpPr>
-          <p:cNvPr id="58" name="Shape 58"/>
+          <p:cNvPr id="59" name="Shape 59"/>
           <p:cNvSpPr txBox="1"/>
           <p:nvPr>
             <p:ph idx="3" type="body"/>
@@ -3412,7 +3443,7 @@
   <p:cSld>
     <p:spTree>
       <p:nvGrpSpPr>
-        <p:cNvPr id="62" name="Shape 62"/>
+        <p:cNvPr id="63" name="Shape 63"/>
         <p:cNvGrpSpPr/>
         <p:nvPr/>
       </p:nvGrpSpPr>
@@ -3426,7 +3457,7 @@
       </p:grpSpPr>
       <p:sp>
         <p:nvSpPr>
-          <p:cNvPr id="63" name="Shape 63"/>
+          <p:cNvPr id="64" name="Shape 64"/>
           <p:cNvSpPr txBox="1"/>
           <p:nvPr>
             <p:ph type="title"/>
@@ -3459,7 +3490,7 @@
       </p:sp>
       <p:sp>
         <p:nvSpPr>
-          <p:cNvPr id="64" name="Shape 64"/>
+          <p:cNvPr id="65" name="Shape 65"/>
           <p:cNvSpPr txBox="1"/>
           <p:nvPr>
             <p:ph idx="1" type="body"/>
@@ -3558,7 +3589,7 @@
   <p:cSld>
     <p:spTree>
       <p:nvGrpSpPr>
-        <p:cNvPr id="68" name="Shape 68"/>
+        <p:cNvPr id="69" name="Shape 69"/>
         <p:cNvGrpSpPr/>
         <p:nvPr/>
       </p:nvGrpSpPr>
@@ -3572,7 +3603,7 @@
       </p:grpSpPr>
       <p:sp>
         <p:nvSpPr>
-          <p:cNvPr id="69" name="Shape 69"/>
+          <p:cNvPr id="70" name="Shape 70"/>
           <p:cNvSpPr txBox="1"/>
           <p:nvPr>
             <p:ph type="title"/>
@@ -3605,7 +3636,7 @@
       </p:sp>
       <p:sp>
         <p:nvSpPr>
-          <p:cNvPr id="70" name="Shape 70"/>
+          <p:cNvPr id="71" name="Shape 71"/>
           <p:cNvSpPr txBox="1"/>
           <p:nvPr>
             <p:ph idx="1" type="body"/>
@@ -3714,9 +3745,9 @@
 </file>
 
 <file path=ppt/theme/theme1.xml><?xml version="1.0" encoding="utf-8"?>
-<a:theme xmlns:a="http://schemas.openxmlformats.org/drawingml/2006/main" xmlns:r="http://schemas.openxmlformats.org/officeDocument/2006/relationships" name="light-gradient">
+<a:theme xmlns:a="http://schemas.openxmlformats.org/drawingml/2006/main" xmlns:r="http://schemas.openxmlformats.org/officeDocument/2006/relationships" name="Custom Theme">
   <a:themeElements>
-    <a:clrScheme name="Custom 347">
+    <a:clrScheme name="Default">
       <a:dk1>
         <a:srgbClr val="000000"/>
       </a:dk1>
@@ -3724,34 +3755,34 @@
         <a:srgbClr val="FFFFFF"/>
       </a:lt1>
       <a:dk2>
-        <a:srgbClr val="666666"/>
+        <a:srgbClr val="158158"/>
       </a:dk2>
       <a:lt2>
-        <a:srgbClr val="CCCCCC"/>
+        <a:srgbClr val="F3F3F3"/>
       </a:lt2>
       <a:accent1>
-        <a:srgbClr val="3A81BA"/>
+        <a:srgbClr val="058DC7"/>
       </a:accent1>
       <a:accent2>
-        <a:srgbClr val="D89F39"/>
+        <a:srgbClr val="50B432"/>
       </a:accent2>
       <a:accent3>
-        <a:srgbClr val="8BAB42"/>
+        <a:srgbClr val="ED561B"/>
       </a:accent3>
       <a:accent4>
-        <a:srgbClr val="57A7B5"/>
+        <a:srgbClr val="EDEF00"/>
       </a:accent4>
       <a:accent5>
-        <a:srgbClr val="8B81D2"/>
+        <a:srgbClr val="24CBE5"/>
       </a:accent5>
       <a:accent6>
-        <a:srgbClr val="963334"/>
+        <a:srgbClr val="64E572"/>
       </a:accent6>
       <a:hlink>
-        <a:srgbClr val="1155CC"/>
+        <a:srgbClr val="2200CC"/>
       </a:hlink>
       <a:folHlink>
-        <a:srgbClr val="6611CC"/>
+        <a:srgbClr val="551A8B"/>
       </a:folHlink>
     </a:clrScheme>
     <a:fontScheme name="Office">
@@ -4309,9 +4340,9 @@
 </file>
 
 <file path=ppt/theme/theme3.xml><?xml version="1.0" encoding="utf-8"?>
-<a:theme xmlns:a="http://schemas.openxmlformats.org/drawingml/2006/main" xmlns:r="http://schemas.openxmlformats.org/officeDocument/2006/relationships" name="Custom Theme">
+<a:theme xmlns:a="http://schemas.openxmlformats.org/drawingml/2006/main" xmlns:r="http://schemas.openxmlformats.org/officeDocument/2006/relationships" name="light-gradient">
   <a:themeElements>
-    <a:clrScheme name="Default">
+    <a:clrScheme name="Custom 347">
       <a:dk1>
         <a:srgbClr val="000000"/>
       </a:dk1>
@@ -4319,34 +4350,34 @@
         <a:srgbClr val="FFFFFF"/>
       </a:lt1>
       <a:dk2>
-        <a:srgbClr val="158158"/>
+        <a:srgbClr val="666666"/>
       </a:dk2>
       <a:lt2>
-        <a:srgbClr val="F3F3F3"/>
+        <a:srgbClr val="CCCCCC"/>
       </a:lt2>
       <a:accent1>
-        <a:srgbClr val="058DC7"/>
+        <a:srgbClr val="3A81BA"/>
       </a:accent1>
       <a:accent2>
-        <a:srgbClr val="50B432"/>
+        <a:srgbClr val="D89F39"/>
       </a:accent2>
       <a:accent3>
-        <a:srgbClr val="ED561B"/>
+        <a:srgbClr val="8BAB42"/>
       </a:accent3>
       <a:accent4>
-        <a:srgbClr val="EDEF00"/>
+        <a:srgbClr val="57A7B5"/>
       </a:accent4>
       <a:accent5>
-        <a:srgbClr val="24CBE5"/>
+        <a:srgbClr val="8B81D2"/>
       </a:accent5>
       <a:accent6>
-        <a:srgbClr val="64E572"/>
+        <a:srgbClr val="963334"/>
       </a:accent6>
       <a:hlink>
-        <a:srgbClr val="2200CC"/>
+        <a:srgbClr val="1155CC"/>
       </a:hlink>
       <a:folHlink>
-        <a:srgbClr val="551A8B"/>
+        <a:srgbClr val="6611CC"/>
       </a:folHlink>
     </a:clrScheme>
     <a:fontScheme name="Office">
